--- a/wd-202404/lecture-4/Array & Loop.pptx
+++ b/wd-202404/lecture-4/Array & Loop.pptx
@@ -6593,7 +6593,7 @@
               <a:rPr lang="en"/>
               <a:t>Web Development with</a:t>
             </a:r>
-            <a:endParaRPr/>
+            <a:endParaRPr dirty="0"/>
           </a:p>
         </p:txBody>
       </p:sp>
@@ -6683,7 +6683,7 @@
                 <a:cs typeface="Roboto"/>
                 <a:sym typeface="Roboto"/>
               </a:rPr>
-              <a:t>Lecture 4</a:t>
+              <a:t>Lecture 5</a:t>
             </a:r>
             <a:endParaRPr sz="1800" dirty="0">
               <a:solidFill>
